--- a/Team J/3. Midterm Presentation/TeamJ_Midterm_Presentation.pptx
+++ b/Team J/3. Midterm Presentation/TeamJ_Midterm_Presentation.pptx
@@ -216,7 +216,7 @@
           <a:p>
             <a:fld id="{2EC144E9-4516-4EEB-9CA5-07D6A142A60E}" type="datetimeFigureOut">
               <a:rPr lang="ko-KR" altLang="en-US" smtClean="0"/>
-              <a:t>2024-10-31</a:t>
+              <a:t>2024-11-01</a:t>
             </a:fld>
             <a:endParaRPr lang="ko-KR" altLang="en-US"/>
           </a:p>
@@ -3225,7 +3225,7 @@
           <a:p>
             <a:fld id="{9A7EE159-B75B-40B3-AAD9-4B1F2DC03EEC}" type="datetimeFigureOut">
               <a:rPr lang="ko-KR" altLang="en-US" smtClean="0"/>
-              <a:t>2024-10-31</a:t>
+              <a:t>2024-11-01</a:t>
             </a:fld>
             <a:endParaRPr lang="ko-KR" altLang="en-US"/>
           </a:p>
@@ -3423,7 +3423,7 @@
           <a:p>
             <a:fld id="{9A7EE159-B75B-40B3-AAD9-4B1F2DC03EEC}" type="datetimeFigureOut">
               <a:rPr lang="ko-KR" altLang="en-US" smtClean="0"/>
-              <a:t>2024-10-31</a:t>
+              <a:t>2024-11-01</a:t>
             </a:fld>
             <a:endParaRPr lang="ko-KR" altLang="en-US"/>
           </a:p>
@@ -3631,7 +3631,7 @@
           <a:p>
             <a:fld id="{9A7EE159-B75B-40B3-AAD9-4B1F2DC03EEC}" type="datetimeFigureOut">
               <a:rPr lang="ko-KR" altLang="en-US" smtClean="0"/>
-              <a:t>2024-10-31</a:t>
+              <a:t>2024-11-01</a:t>
             </a:fld>
             <a:endParaRPr lang="ko-KR" altLang="en-US"/>
           </a:p>
@@ -3829,7 +3829,7 @@
           <a:p>
             <a:fld id="{9A7EE159-B75B-40B3-AAD9-4B1F2DC03EEC}" type="datetimeFigureOut">
               <a:rPr lang="ko-KR" altLang="en-US" smtClean="0"/>
-              <a:t>2024-10-31</a:t>
+              <a:t>2024-11-01</a:t>
             </a:fld>
             <a:endParaRPr lang="ko-KR" altLang="en-US"/>
           </a:p>
@@ -4104,7 +4104,7 @@
           <a:p>
             <a:fld id="{9A7EE159-B75B-40B3-AAD9-4B1F2DC03EEC}" type="datetimeFigureOut">
               <a:rPr lang="ko-KR" altLang="en-US" smtClean="0"/>
-              <a:t>2024-10-31</a:t>
+              <a:t>2024-11-01</a:t>
             </a:fld>
             <a:endParaRPr lang="ko-KR" altLang="en-US"/>
           </a:p>
@@ -4369,7 +4369,7 @@
           <a:p>
             <a:fld id="{9A7EE159-B75B-40B3-AAD9-4B1F2DC03EEC}" type="datetimeFigureOut">
               <a:rPr lang="ko-KR" altLang="en-US" smtClean="0"/>
-              <a:t>2024-10-31</a:t>
+              <a:t>2024-11-01</a:t>
             </a:fld>
             <a:endParaRPr lang="ko-KR" altLang="en-US"/>
           </a:p>
@@ -4781,7 +4781,7 @@
           <a:p>
             <a:fld id="{9A7EE159-B75B-40B3-AAD9-4B1F2DC03EEC}" type="datetimeFigureOut">
               <a:rPr lang="ko-KR" altLang="en-US" smtClean="0"/>
-              <a:t>2024-10-31</a:t>
+              <a:t>2024-11-01</a:t>
             </a:fld>
             <a:endParaRPr lang="ko-KR" altLang="en-US"/>
           </a:p>
@@ -4922,7 +4922,7 @@
           <a:p>
             <a:fld id="{9A7EE159-B75B-40B3-AAD9-4B1F2DC03EEC}" type="datetimeFigureOut">
               <a:rPr lang="ko-KR" altLang="en-US" smtClean="0"/>
-              <a:t>2024-10-31</a:t>
+              <a:t>2024-11-01</a:t>
             </a:fld>
             <a:endParaRPr lang="ko-KR" altLang="en-US"/>
           </a:p>
@@ -5035,7 +5035,7 @@
           <a:p>
             <a:fld id="{9A7EE159-B75B-40B3-AAD9-4B1F2DC03EEC}" type="datetimeFigureOut">
               <a:rPr lang="ko-KR" altLang="en-US" smtClean="0"/>
-              <a:t>2024-10-31</a:t>
+              <a:t>2024-11-01</a:t>
             </a:fld>
             <a:endParaRPr lang="ko-KR" altLang="en-US"/>
           </a:p>
@@ -5346,7 +5346,7 @@
           <a:p>
             <a:fld id="{9A7EE159-B75B-40B3-AAD9-4B1F2DC03EEC}" type="datetimeFigureOut">
               <a:rPr lang="ko-KR" altLang="en-US" smtClean="0"/>
-              <a:t>2024-10-31</a:t>
+              <a:t>2024-11-01</a:t>
             </a:fld>
             <a:endParaRPr lang="ko-KR" altLang="en-US"/>
           </a:p>
@@ -5634,7 +5634,7 @@
           <a:p>
             <a:fld id="{9A7EE159-B75B-40B3-AAD9-4B1F2DC03EEC}" type="datetimeFigureOut">
               <a:rPr lang="ko-KR" altLang="en-US" smtClean="0"/>
-              <a:t>2024-10-31</a:t>
+              <a:t>2024-11-01</a:t>
             </a:fld>
             <a:endParaRPr lang="ko-KR" altLang="en-US"/>
           </a:p>
@@ -5881,7 +5881,7 @@
           <a:p>
             <a:fld id="{9A7EE159-B75B-40B3-AAD9-4B1F2DC03EEC}" type="datetimeFigureOut">
               <a:rPr lang="ko-KR" altLang="en-US" smtClean="0"/>
-              <a:t>2024-10-31</a:t>
+              <a:t>2024-11-01</a:t>
             </a:fld>
             <a:endParaRPr lang="ko-KR" altLang="en-US"/>
           </a:p>
@@ -11867,23 +11867,23 @@
               <a:avLst/>
               <a:gdLst>
                 <a:gd name="connsiteX0" fmla="*/ 0 w 3958712"/>
-                <a:gd name="connsiteY0" fmla="*/ 358296 h 2149735"/>
-                <a:gd name="connsiteX1" fmla="*/ 358296 w 3958712"/>
+                <a:gd name="connsiteY0" fmla="*/ 358295 h 2149735"/>
+                <a:gd name="connsiteX1" fmla="*/ 358295 w 3958712"/>
                 <a:gd name="connsiteY1" fmla="*/ 0 h 2149735"/>
-                <a:gd name="connsiteX2" fmla="*/ 3600416 w 3958712"/>
+                <a:gd name="connsiteX2" fmla="*/ 3600415 w 3958712"/>
                 <a:gd name="connsiteY2" fmla="*/ 0 h 2149735"/>
                 <a:gd name="connsiteX3" fmla="*/ 3958712 w 3958712"/>
-                <a:gd name="connsiteY3" fmla="*/ 358296 h 2149735"/>
+                <a:gd name="connsiteY3" fmla="*/ 358295 h 2149735"/>
                 <a:gd name="connsiteX4" fmla="*/ 3958712 w 3958712"/>
-                <a:gd name="connsiteY4" fmla="*/ 1791439 h 2149735"/>
-                <a:gd name="connsiteX5" fmla="*/ 3600416 w 3958712"/>
+                <a:gd name="connsiteY4" fmla="*/ 1791438 h 2149735"/>
+                <a:gd name="connsiteX5" fmla="*/ 3600415 w 3958712"/>
                 <a:gd name="connsiteY5" fmla="*/ 2149735 h 2149735"/>
-                <a:gd name="connsiteX6" fmla="*/ 358296 w 3958712"/>
+                <a:gd name="connsiteX6" fmla="*/ 358295 w 3958712"/>
                 <a:gd name="connsiteY6" fmla="*/ 2149735 h 2149735"/>
                 <a:gd name="connsiteX7" fmla="*/ 0 w 3958712"/>
-                <a:gd name="connsiteY7" fmla="*/ 1791439 h 2149735"/>
+                <a:gd name="connsiteY7" fmla="*/ 1791438 h 2149735"/>
                 <a:gd name="connsiteX8" fmla="*/ 0 w 3958712"/>
-                <a:gd name="connsiteY8" fmla="*/ 358296 h 2149735"/>
+                <a:gd name="connsiteY8" fmla="*/ 358295 h 2149735"/>
               </a:gdLst>
               <a:ahLst/>
               <a:cxnLst>
@@ -11919,47 +11919,47 @@
               <a:pathLst>
                 <a:path w="3958712" h="2149735" extrusionOk="0">
                   <a:moveTo>
-                    <a:pt x="0" y="358296"/>
+                    <a:pt x="0" y="358295"/>
                   </a:moveTo>
                   <a:cubicBezTo>
-                    <a:pt x="-3550" y="158225"/>
-                    <a:pt x="130192" y="11343"/>
-                    <a:pt x="358296" y="0"/>
+                    <a:pt x="-54175" y="127164"/>
+                    <a:pt x="105774" y="20427"/>
+                    <a:pt x="358295" y="0"/>
                   </a:cubicBezTo>
                   <a:cubicBezTo>
-                    <a:pt x="1234471" y="132882"/>
-                    <a:pt x="2219567" y="-84951"/>
-                    <a:pt x="3600416" y="0"/>
+                    <a:pt x="1383295" y="164077"/>
+                    <a:pt x="2049399" y="-79578"/>
+                    <a:pt x="3600415" y="0"/>
                   </a:cubicBezTo>
                   <a:cubicBezTo>
-                    <a:pt x="3775246" y="22511"/>
-                    <a:pt x="3957777" y="165581"/>
-                    <a:pt x="3958712" y="358296"/>
+                    <a:pt x="3740001" y="56792"/>
+                    <a:pt x="3948300" y="217705"/>
+                    <a:pt x="3958712" y="358295"/>
                   </a:cubicBezTo>
                   <a:cubicBezTo>
-                    <a:pt x="3974477" y="746079"/>
-                    <a:pt x="3996540" y="1285099"/>
-                    <a:pt x="3958712" y="1791439"/>
+                    <a:pt x="3890569" y="700683"/>
+                    <a:pt x="4127651" y="1347462"/>
+                    <a:pt x="3958712" y="1791438"/>
                   </a:cubicBezTo>
                   <a:cubicBezTo>
-                    <a:pt x="3978604" y="1991680"/>
-                    <a:pt x="3814523" y="2116342"/>
-                    <a:pt x="3600416" y="2149735"/>
+                    <a:pt x="4046298" y="1999661"/>
+                    <a:pt x="3842592" y="2058823"/>
+                    <a:pt x="3600415" y="2149735"/>
                   </a:cubicBezTo>
                   <a:cubicBezTo>
-                    <a:pt x="2816501" y="2237374"/>
-                    <a:pt x="1667062" y="2077056"/>
-                    <a:pt x="358296" y="2149735"/>
+                    <a:pt x="2495884" y="2188606"/>
+                    <a:pt x="1514811" y="2219353"/>
+                    <a:pt x="358295" y="2149735"/>
                   </a:cubicBezTo>
                   <a:cubicBezTo>
-                    <a:pt x="157714" y="2123981"/>
-                    <a:pt x="-4470" y="1995532"/>
-                    <a:pt x="0" y="1791439"/>
+                    <a:pt x="154554" y="2093922"/>
+                    <a:pt x="-35497" y="2038505"/>
+                    <a:pt x="0" y="1791438"/>
                   </a:cubicBezTo>
                   <a:cubicBezTo>
-                    <a:pt x="107420" y="1528687"/>
-                    <a:pt x="81323" y="691418"/>
-                    <a:pt x="0" y="358296"/>
+                    <a:pt x="203720" y="1582288"/>
+                    <a:pt x="173789" y="713543"/>
+                    <a:pt x="0" y="358295"/>
                   </a:cubicBezTo>
                   <a:close/>
                 </a:path>
@@ -23716,8 +23716,8 @@
         </p:nvSpPr>
         <p:spPr>
           <a:xfrm>
-            <a:off x="641246" y="731417"/>
-            <a:ext cx="7927788" cy="792583"/>
+            <a:off x="641245" y="731417"/>
+            <a:ext cx="9365535" cy="792583"/>
           </a:xfrm>
           <a:prstGeom prst="rect">
             <a:avLst/>
@@ -24572,8 +24572,8 @@
         </p:nvSpPr>
         <p:spPr>
           <a:xfrm>
-            <a:off x="641246" y="731417"/>
-            <a:ext cx="9188554" cy="792583"/>
+            <a:off x="641245" y="731417"/>
+            <a:ext cx="10530657" cy="792583"/>
           </a:xfrm>
           <a:prstGeom prst="rect">
             <a:avLst/>
@@ -25691,8 +25691,8 @@
         </p:nvSpPr>
         <p:spPr>
           <a:xfrm>
-            <a:off x="641246" y="731417"/>
-            <a:ext cx="7927788" cy="827880"/>
+            <a:off x="641245" y="731417"/>
+            <a:ext cx="10206193" cy="827880"/>
           </a:xfrm>
           <a:prstGeom prst="rect">
             <a:avLst/>
@@ -26582,7 +26582,7 @@
         <p:spPr>
           <a:xfrm>
             <a:off x="641246" y="731417"/>
-            <a:ext cx="7927788" cy="827880"/>
+            <a:ext cx="9631006" cy="827880"/>
           </a:xfrm>
           <a:prstGeom prst="rect">
             <a:avLst/>
